--- a/oaa-2018/marketing/banner-without-link.pptx
+++ b/oaa-2018/marketing/banner-without-link.pptx
@@ -53,7 +53,7 @@
       </p:grpSpPr>
       <p:sp>
         <p:nvSpPr>
-          <p:cNvPr id="26" name="PlaceHolder 1"/>
+          <p:cNvPr id="23" name="PlaceHolder 1"/>
           <p:cNvSpPr>
             <a:spLocks noGrp="1"/>
           </p:cNvSpPr>
@@ -64,7 +64,7 @@
         <p:spPr>
           <a:xfrm>
             <a:off x="1017000" y="604080"/>
-            <a:ext cx="6101640" cy="1284480"/>
+            <a:ext cx="6100920" cy="1283760"/>
           </a:xfrm>
           <a:prstGeom prst="rect">
             <a:avLst/>
@@ -73,23 +73,24 @@
         <p:txBody>
           <a:bodyPr lIns="0" rIns="0" tIns="0" bIns="0" anchor="ctr"/>
           <a:p>
-            <a:endParaRPr b="0" lang="en-US" sz="1800" spc="-1" strike="noStrike">
-              <a:solidFill>
-                <a:srgbClr val="000000"/>
-              </a:solidFill>
-              <a:uFill>
-                <a:solidFill>
-                  <a:srgbClr val="ffffff"/>
-                </a:solidFill>
-              </a:uFill>
-              <a:latin typeface="Calibri"/>
-            </a:endParaRPr>
-          </a:p>
-        </p:txBody>
-      </p:sp>
-      <p:sp>
-        <p:nvSpPr>
-          <p:cNvPr id="27" name="PlaceHolder 2"/>
+            <a:pPr algn="ctr"/>
+            <a:endParaRPr b="0" lang="en-US" sz="4400" spc="-1" strike="noStrike">
+              <a:solidFill>
+                <a:srgbClr val="000000"/>
+              </a:solidFill>
+              <a:uFill>
+                <a:solidFill>
+                  <a:srgbClr val="ffffff"/>
+                </a:solidFill>
+              </a:uFill>
+              <a:latin typeface="Arial"/>
+            </a:endParaRPr>
+          </a:p>
+        </p:txBody>
+      </p:sp>
+      <p:sp>
+        <p:nvSpPr>
+          <p:cNvPr id="24" name="PlaceHolder 2"/>
           <p:cNvSpPr>
             <a:spLocks noGrp="1"/>
           </p:cNvSpPr>
@@ -100,7 +101,7 @@
         <p:spPr>
           <a:xfrm>
             <a:off x="406800" y="863640"/>
-            <a:ext cx="7322040" cy="1020600"/>
+            <a:ext cx="7321680" cy="1020600"/>
           </a:xfrm>
           <a:prstGeom prst="rect">
             <a:avLst/>
@@ -109,23 +110,23 @@
         <p:txBody>
           <a:bodyPr lIns="0" rIns="0" tIns="0" bIns="0"/>
           <a:p>
-            <a:endParaRPr b="0" lang="en-US" sz="1510" spc="-1" strike="noStrike">
-              <a:solidFill>
-                <a:srgbClr val="000000"/>
-              </a:solidFill>
-              <a:uFill>
-                <a:solidFill>
-                  <a:srgbClr val="ffffff"/>
-                </a:solidFill>
-              </a:uFill>
-              <a:latin typeface="Calibri"/>
-            </a:endParaRPr>
-          </a:p>
-        </p:txBody>
-      </p:sp>
-      <p:sp>
-        <p:nvSpPr>
-          <p:cNvPr id="28" name="PlaceHolder 3"/>
+            <a:endParaRPr b="0" lang="en-US" sz="3200" spc="-1" strike="noStrike">
+              <a:solidFill>
+                <a:srgbClr val="000000"/>
+              </a:solidFill>
+              <a:uFill>
+                <a:solidFill>
+                  <a:srgbClr val="ffffff"/>
+                </a:solidFill>
+              </a:uFill>
+              <a:latin typeface="Arial"/>
+            </a:endParaRPr>
+          </a:p>
+        </p:txBody>
+      </p:sp>
+      <p:sp>
+        <p:nvSpPr>
+          <p:cNvPr id="25" name="PlaceHolder 3"/>
           <p:cNvSpPr>
             <a:spLocks noGrp="1"/>
           </p:cNvSpPr>
@@ -136,7 +137,7 @@
         <p:spPr>
           <a:xfrm>
             <a:off x="406800" y="1981440"/>
-            <a:ext cx="7322040" cy="1020600"/>
+            <a:ext cx="7321680" cy="1020600"/>
           </a:xfrm>
           <a:prstGeom prst="rect">
             <a:avLst/>
@@ -145,16 +146,16 @@
         <p:txBody>
           <a:bodyPr lIns="0" rIns="0" tIns="0" bIns="0"/>
           <a:p>
-            <a:endParaRPr b="0" lang="en-US" sz="1510" spc="-1" strike="noStrike">
-              <a:solidFill>
-                <a:srgbClr val="000000"/>
-              </a:solidFill>
-              <a:uFill>
-                <a:solidFill>
-                  <a:srgbClr val="ffffff"/>
-                </a:solidFill>
-              </a:uFill>
-              <a:latin typeface="Calibri"/>
+            <a:endParaRPr b="0" lang="en-US" sz="3200" spc="-1" strike="noStrike">
+              <a:solidFill>
+                <a:srgbClr val="000000"/>
+              </a:solidFill>
+              <a:uFill>
+                <a:solidFill>
+                  <a:srgbClr val="ffffff"/>
+                </a:solidFill>
+              </a:uFill>
+              <a:latin typeface="Arial"/>
             </a:endParaRPr>
           </a:p>
         </p:txBody>
@@ -183,7 +184,7 @@
       </p:grpSpPr>
       <p:sp>
         <p:nvSpPr>
-          <p:cNvPr id="29" name="PlaceHolder 1"/>
+          <p:cNvPr id="26" name="PlaceHolder 1"/>
           <p:cNvSpPr>
             <a:spLocks noGrp="1"/>
           </p:cNvSpPr>
@@ -194,7 +195,7 @@
         <p:spPr>
           <a:xfrm>
             <a:off x="1017000" y="604080"/>
-            <a:ext cx="6101640" cy="1284480"/>
+            <a:ext cx="6100920" cy="1283760"/>
           </a:xfrm>
           <a:prstGeom prst="rect">
             <a:avLst/>
@@ -203,23 +204,24 @@
         <p:txBody>
           <a:bodyPr lIns="0" rIns="0" tIns="0" bIns="0" anchor="ctr"/>
           <a:p>
-            <a:endParaRPr b="0" lang="en-US" sz="1800" spc="-1" strike="noStrike">
-              <a:solidFill>
-                <a:srgbClr val="000000"/>
-              </a:solidFill>
-              <a:uFill>
-                <a:solidFill>
-                  <a:srgbClr val="ffffff"/>
-                </a:solidFill>
-              </a:uFill>
-              <a:latin typeface="Calibri"/>
-            </a:endParaRPr>
-          </a:p>
-        </p:txBody>
-      </p:sp>
-      <p:sp>
-        <p:nvSpPr>
-          <p:cNvPr id="30" name="PlaceHolder 2"/>
+            <a:pPr algn="ctr"/>
+            <a:endParaRPr b="0" lang="en-US" sz="4400" spc="-1" strike="noStrike">
+              <a:solidFill>
+                <a:srgbClr val="000000"/>
+              </a:solidFill>
+              <a:uFill>
+                <a:solidFill>
+                  <a:srgbClr val="ffffff"/>
+                </a:solidFill>
+              </a:uFill>
+              <a:latin typeface="Arial"/>
+            </a:endParaRPr>
+          </a:p>
+        </p:txBody>
+      </p:sp>
+      <p:sp>
+        <p:nvSpPr>
+          <p:cNvPr id="27" name="PlaceHolder 2"/>
           <p:cNvSpPr>
             <a:spLocks noGrp="1"/>
           </p:cNvSpPr>
@@ -230,7 +232,7 @@
         <p:spPr>
           <a:xfrm>
             <a:off x="406800" y="863640"/>
-            <a:ext cx="3573000" cy="1020600"/>
+            <a:ext cx="3572640" cy="1020600"/>
           </a:xfrm>
           <a:prstGeom prst="rect">
             <a:avLst/>
@@ -239,23 +241,23 @@
         <p:txBody>
           <a:bodyPr lIns="0" rIns="0" tIns="0" bIns="0"/>
           <a:p>
-            <a:endParaRPr b="0" lang="en-US" sz="1510" spc="-1" strike="noStrike">
-              <a:solidFill>
-                <a:srgbClr val="000000"/>
-              </a:solidFill>
-              <a:uFill>
-                <a:solidFill>
-                  <a:srgbClr val="ffffff"/>
-                </a:solidFill>
-              </a:uFill>
-              <a:latin typeface="Calibri"/>
-            </a:endParaRPr>
-          </a:p>
-        </p:txBody>
-      </p:sp>
-      <p:sp>
-        <p:nvSpPr>
-          <p:cNvPr id="31" name="PlaceHolder 3"/>
+            <a:endParaRPr b="0" lang="en-US" sz="3200" spc="-1" strike="noStrike">
+              <a:solidFill>
+                <a:srgbClr val="000000"/>
+              </a:solidFill>
+              <a:uFill>
+                <a:solidFill>
+                  <a:srgbClr val="ffffff"/>
+                </a:solidFill>
+              </a:uFill>
+              <a:latin typeface="Arial"/>
+            </a:endParaRPr>
+          </a:p>
+        </p:txBody>
+      </p:sp>
+      <p:sp>
+        <p:nvSpPr>
+          <p:cNvPr id="28" name="PlaceHolder 3"/>
           <p:cNvSpPr>
             <a:spLocks noGrp="1"/>
           </p:cNvSpPr>
@@ -265,8 +267,8 @@
         </p:nvSpPr>
         <p:spPr>
           <a:xfrm>
-            <a:off x="4158720" y="863640"/>
-            <a:ext cx="3573000" cy="1020600"/>
+            <a:off x="4158360" y="863640"/>
+            <a:ext cx="3572640" cy="1020600"/>
           </a:xfrm>
           <a:prstGeom prst="rect">
             <a:avLst/>
@@ -275,23 +277,23 @@
         <p:txBody>
           <a:bodyPr lIns="0" rIns="0" tIns="0" bIns="0"/>
           <a:p>
-            <a:endParaRPr b="0" lang="en-US" sz="1510" spc="-1" strike="noStrike">
-              <a:solidFill>
-                <a:srgbClr val="000000"/>
-              </a:solidFill>
-              <a:uFill>
-                <a:solidFill>
-                  <a:srgbClr val="ffffff"/>
-                </a:solidFill>
-              </a:uFill>
-              <a:latin typeface="Calibri"/>
-            </a:endParaRPr>
-          </a:p>
-        </p:txBody>
-      </p:sp>
-      <p:sp>
-        <p:nvSpPr>
-          <p:cNvPr id="32" name="PlaceHolder 4"/>
+            <a:endParaRPr b="0" lang="en-US" sz="3200" spc="-1" strike="noStrike">
+              <a:solidFill>
+                <a:srgbClr val="000000"/>
+              </a:solidFill>
+              <a:uFill>
+                <a:solidFill>
+                  <a:srgbClr val="ffffff"/>
+                </a:solidFill>
+              </a:uFill>
+              <a:latin typeface="Arial"/>
+            </a:endParaRPr>
+          </a:p>
+        </p:txBody>
+      </p:sp>
+      <p:sp>
+        <p:nvSpPr>
+          <p:cNvPr id="29" name="PlaceHolder 4"/>
           <p:cNvSpPr>
             <a:spLocks noGrp="1"/>
           </p:cNvSpPr>
@@ -301,8 +303,8 @@
         </p:nvSpPr>
         <p:spPr>
           <a:xfrm>
-            <a:off x="4158720" y="1981440"/>
-            <a:ext cx="3573000" cy="1020600"/>
+            <a:off x="4158360" y="1981440"/>
+            <a:ext cx="3572640" cy="1020600"/>
           </a:xfrm>
           <a:prstGeom prst="rect">
             <a:avLst/>
@@ -311,23 +313,23 @@
         <p:txBody>
           <a:bodyPr lIns="0" rIns="0" tIns="0" bIns="0"/>
           <a:p>
-            <a:endParaRPr b="0" lang="en-US" sz="1510" spc="-1" strike="noStrike">
-              <a:solidFill>
-                <a:srgbClr val="000000"/>
-              </a:solidFill>
-              <a:uFill>
-                <a:solidFill>
-                  <a:srgbClr val="ffffff"/>
-                </a:solidFill>
-              </a:uFill>
-              <a:latin typeface="Calibri"/>
-            </a:endParaRPr>
-          </a:p>
-        </p:txBody>
-      </p:sp>
-      <p:sp>
-        <p:nvSpPr>
-          <p:cNvPr id="33" name="PlaceHolder 5"/>
+            <a:endParaRPr b="0" lang="en-US" sz="3200" spc="-1" strike="noStrike">
+              <a:solidFill>
+                <a:srgbClr val="000000"/>
+              </a:solidFill>
+              <a:uFill>
+                <a:solidFill>
+                  <a:srgbClr val="ffffff"/>
+                </a:solidFill>
+              </a:uFill>
+              <a:latin typeface="Arial"/>
+            </a:endParaRPr>
+          </a:p>
+        </p:txBody>
+      </p:sp>
+      <p:sp>
+        <p:nvSpPr>
+          <p:cNvPr id="30" name="PlaceHolder 5"/>
           <p:cNvSpPr>
             <a:spLocks noGrp="1"/>
           </p:cNvSpPr>
@@ -338,7 +340,7 @@
         <p:spPr>
           <a:xfrm>
             <a:off x="406800" y="1981440"/>
-            <a:ext cx="3573000" cy="1020600"/>
+            <a:ext cx="3572640" cy="1020600"/>
           </a:xfrm>
           <a:prstGeom prst="rect">
             <a:avLst/>
@@ -347,16 +349,16 @@
         <p:txBody>
           <a:bodyPr lIns="0" rIns="0" tIns="0" bIns="0"/>
           <a:p>
-            <a:endParaRPr b="0" lang="en-US" sz="1510" spc="-1" strike="noStrike">
-              <a:solidFill>
-                <a:srgbClr val="000000"/>
-              </a:solidFill>
-              <a:uFill>
-                <a:solidFill>
-                  <a:srgbClr val="ffffff"/>
-                </a:solidFill>
-              </a:uFill>
-              <a:latin typeface="Calibri"/>
+            <a:endParaRPr b="0" lang="en-US" sz="3200" spc="-1" strike="noStrike">
+              <a:solidFill>
+                <a:srgbClr val="000000"/>
+              </a:solidFill>
+              <a:uFill>
+                <a:solidFill>
+                  <a:srgbClr val="ffffff"/>
+                </a:solidFill>
+              </a:uFill>
+              <a:latin typeface="Arial"/>
             </a:endParaRPr>
           </a:p>
         </p:txBody>
@@ -385,7 +387,7 @@
       </p:grpSpPr>
       <p:sp>
         <p:nvSpPr>
-          <p:cNvPr id="34" name="PlaceHolder 1"/>
+          <p:cNvPr id="31" name="PlaceHolder 1"/>
           <p:cNvSpPr>
             <a:spLocks noGrp="1"/>
           </p:cNvSpPr>
@@ -396,7 +398,7 @@
         <p:spPr>
           <a:xfrm>
             <a:off x="1017000" y="604080"/>
-            <a:ext cx="6101640" cy="1284480"/>
+            <a:ext cx="6100920" cy="1283760"/>
           </a:xfrm>
           <a:prstGeom prst="rect">
             <a:avLst/>
@@ -405,23 +407,24 @@
         <p:txBody>
           <a:bodyPr lIns="0" rIns="0" tIns="0" bIns="0" anchor="ctr"/>
           <a:p>
-            <a:endParaRPr b="0" lang="en-US" sz="1800" spc="-1" strike="noStrike">
-              <a:solidFill>
-                <a:srgbClr val="000000"/>
-              </a:solidFill>
-              <a:uFill>
-                <a:solidFill>
-                  <a:srgbClr val="ffffff"/>
-                </a:solidFill>
-              </a:uFill>
-              <a:latin typeface="Calibri"/>
-            </a:endParaRPr>
-          </a:p>
-        </p:txBody>
-      </p:sp>
-      <p:sp>
-        <p:nvSpPr>
-          <p:cNvPr id="35" name="PlaceHolder 2"/>
+            <a:pPr algn="ctr"/>
+            <a:endParaRPr b="0" lang="en-US" sz="4400" spc="-1" strike="noStrike">
+              <a:solidFill>
+                <a:srgbClr val="000000"/>
+              </a:solidFill>
+              <a:uFill>
+                <a:solidFill>
+                  <a:srgbClr val="ffffff"/>
+                </a:solidFill>
+              </a:uFill>
+              <a:latin typeface="Arial"/>
+            </a:endParaRPr>
+          </a:p>
+        </p:txBody>
+      </p:sp>
+      <p:sp>
+        <p:nvSpPr>
+          <p:cNvPr id="32" name="PlaceHolder 2"/>
           <p:cNvSpPr>
             <a:spLocks noGrp="1"/>
           </p:cNvSpPr>
@@ -432,7 +435,7 @@
         <p:spPr>
           <a:xfrm>
             <a:off x="406800" y="863640"/>
-            <a:ext cx="7322040" cy="2140200"/>
+            <a:ext cx="7321680" cy="2139840"/>
           </a:xfrm>
           <a:prstGeom prst="rect">
             <a:avLst/>
@@ -441,23 +444,23 @@
         <p:txBody>
           <a:bodyPr lIns="0" rIns="0" tIns="0" bIns="0"/>
           <a:p>
-            <a:endParaRPr b="0" lang="en-US" sz="1510" spc="-1" strike="noStrike">
-              <a:solidFill>
-                <a:srgbClr val="000000"/>
-              </a:solidFill>
-              <a:uFill>
-                <a:solidFill>
-                  <a:srgbClr val="ffffff"/>
-                </a:solidFill>
-              </a:uFill>
-              <a:latin typeface="Calibri"/>
-            </a:endParaRPr>
-          </a:p>
-        </p:txBody>
-      </p:sp>
-      <p:sp>
-        <p:nvSpPr>
-          <p:cNvPr id="36" name="PlaceHolder 3"/>
+            <a:endParaRPr b="0" lang="en-US" sz="3200" spc="-1" strike="noStrike">
+              <a:solidFill>
+                <a:srgbClr val="000000"/>
+              </a:solidFill>
+              <a:uFill>
+                <a:solidFill>
+                  <a:srgbClr val="ffffff"/>
+                </a:solidFill>
+              </a:uFill>
+              <a:latin typeface="Arial"/>
+            </a:endParaRPr>
+          </a:p>
+        </p:txBody>
+      </p:sp>
+      <p:sp>
+        <p:nvSpPr>
+          <p:cNvPr id="33" name="PlaceHolder 3"/>
           <p:cNvSpPr>
             <a:spLocks noGrp="1"/>
           </p:cNvSpPr>
@@ -468,7 +471,7 @@
         <p:spPr>
           <a:xfrm>
             <a:off x="406800" y="863640"/>
-            <a:ext cx="7322040" cy="2140200"/>
+            <a:ext cx="7321680" cy="2139840"/>
           </a:xfrm>
           <a:prstGeom prst="rect">
             <a:avLst/>
@@ -477,23 +480,23 @@
         <p:txBody>
           <a:bodyPr lIns="0" rIns="0" tIns="0" bIns="0"/>
           <a:p>
-            <a:endParaRPr b="0" lang="en-US" sz="1510" spc="-1" strike="noStrike">
-              <a:solidFill>
-                <a:srgbClr val="000000"/>
-              </a:solidFill>
-              <a:uFill>
-                <a:solidFill>
-                  <a:srgbClr val="ffffff"/>
-                </a:solidFill>
-              </a:uFill>
-              <a:latin typeface="Calibri"/>
+            <a:endParaRPr b="0" lang="en-US" sz="3200" spc="-1" strike="noStrike">
+              <a:solidFill>
+                <a:srgbClr val="000000"/>
+              </a:solidFill>
+              <a:uFill>
+                <a:solidFill>
+                  <a:srgbClr val="ffffff"/>
+                </a:solidFill>
+              </a:uFill>
+              <a:latin typeface="Arial"/>
             </a:endParaRPr>
           </a:p>
         </p:txBody>
       </p:sp>
       <p:pic>
         <p:nvPicPr>
-          <p:cNvPr id="37" name="" descr=""/>
+          <p:cNvPr id="34" name="" descr=""/>
           <p:cNvPicPr/>
           <p:nvPr/>
         </p:nvPicPr>
@@ -503,8 +506,8 @@
         </p:blipFill>
         <p:spPr>
           <a:xfrm>
-            <a:off x="2726280" y="863280"/>
-            <a:ext cx="2682360" cy="2140200"/>
+            <a:off x="2726640" y="863640"/>
+            <a:ext cx="2682000" cy="2139840"/>
           </a:xfrm>
           <a:prstGeom prst="rect">
             <a:avLst/>
@@ -516,7 +519,7 @@
       </p:pic>
       <p:pic>
         <p:nvPicPr>
-          <p:cNvPr id="38" name="" descr=""/>
+          <p:cNvPr id="35" name="" descr=""/>
           <p:cNvPicPr/>
           <p:nvPr/>
         </p:nvPicPr>
@@ -526,8 +529,8 @@
         </p:blipFill>
         <p:spPr>
           <a:xfrm>
-            <a:off x="2726280" y="863280"/>
-            <a:ext cx="2682360" cy="2140200"/>
+            <a:off x="2726640" y="863640"/>
+            <a:ext cx="2682000" cy="2139840"/>
           </a:xfrm>
           <a:prstGeom prst="rect">
             <a:avLst/>
@@ -561,7 +564,7 @@
       </p:grpSpPr>
       <p:sp>
         <p:nvSpPr>
-          <p:cNvPr id="5" name="PlaceHolder 1"/>
+          <p:cNvPr id="2" name="PlaceHolder 1"/>
           <p:cNvSpPr>
             <a:spLocks noGrp="1"/>
           </p:cNvSpPr>
@@ -572,7 +575,7 @@
         <p:spPr>
           <a:xfrm>
             <a:off x="1017000" y="604080"/>
-            <a:ext cx="6101640" cy="1284480"/>
+            <a:ext cx="6100920" cy="1283760"/>
           </a:xfrm>
           <a:prstGeom prst="rect">
             <a:avLst/>
@@ -581,23 +584,24 @@
         <p:txBody>
           <a:bodyPr lIns="0" rIns="0" tIns="0" bIns="0" anchor="ctr"/>
           <a:p>
-            <a:endParaRPr b="0" lang="en-US" sz="1800" spc="-1" strike="noStrike">
-              <a:solidFill>
-                <a:srgbClr val="000000"/>
-              </a:solidFill>
-              <a:uFill>
-                <a:solidFill>
-                  <a:srgbClr val="ffffff"/>
-                </a:solidFill>
-              </a:uFill>
-              <a:latin typeface="Calibri"/>
-            </a:endParaRPr>
-          </a:p>
-        </p:txBody>
-      </p:sp>
-      <p:sp>
-        <p:nvSpPr>
-          <p:cNvPr id="6" name="PlaceHolder 2"/>
+            <a:pPr algn="ctr"/>
+            <a:endParaRPr b="0" lang="en-US" sz="4400" spc="-1" strike="noStrike">
+              <a:solidFill>
+                <a:srgbClr val="000000"/>
+              </a:solidFill>
+              <a:uFill>
+                <a:solidFill>
+                  <a:srgbClr val="ffffff"/>
+                </a:solidFill>
+              </a:uFill>
+              <a:latin typeface="Arial"/>
+            </a:endParaRPr>
+          </a:p>
+        </p:txBody>
+      </p:sp>
+      <p:sp>
+        <p:nvSpPr>
+          <p:cNvPr id="3" name="PlaceHolder 2"/>
           <p:cNvSpPr>
             <a:spLocks noGrp="1"/>
           </p:cNvSpPr>
@@ -608,7 +612,7 @@
         <p:spPr>
           <a:xfrm>
             <a:off x="406800" y="863640"/>
-            <a:ext cx="7322040" cy="2140200"/>
+            <a:ext cx="7321680" cy="2139840"/>
           </a:xfrm>
           <a:prstGeom prst="rect">
             <a:avLst/>
@@ -656,7 +660,7 @@
       </p:grpSpPr>
       <p:sp>
         <p:nvSpPr>
-          <p:cNvPr id="7" name="PlaceHolder 1"/>
+          <p:cNvPr id="4" name="PlaceHolder 1"/>
           <p:cNvSpPr>
             <a:spLocks noGrp="1"/>
           </p:cNvSpPr>
@@ -667,7 +671,7 @@
         <p:spPr>
           <a:xfrm>
             <a:off x="1017000" y="604080"/>
-            <a:ext cx="6101640" cy="1284480"/>
+            <a:ext cx="6100920" cy="1283760"/>
           </a:xfrm>
           <a:prstGeom prst="rect">
             <a:avLst/>
@@ -676,23 +680,24 @@
         <p:txBody>
           <a:bodyPr lIns="0" rIns="0" tIns="0" bIns="0" anchor="ctr"/>
           <a:p>
-            <a:endParaRPr b="0" lang="en-US" sz="1800" spc="-1" strike="noStrike">
-              <a:solidFill>
-                <a:srgbClr val="000000"/>
-              </a:solidFill>
-              <a:uFill>
-                <a:solidFill>
-                  <a:srgbClr val="ffffff"/>
-                </a:solidFill>
-              </a:uFill>
-              <a:latin typeface="Calibri"/>
-            </a:endParaRPr>
-          </a:p>
-        </p:txBody>
-      </p:sp>
-      <p:sp>
-        <p:nvSpPr>
-          <p:cNvPr id="8" name="PlaceHolder 2"/>
+            <a:pPr algn="ctr"/>
+            <a:endParaRPr b="0" lang="en-US" sz="4400" spc="-1" strike="noStrike">
+              <a:solidFill>
+                <a:srgbClr val="000000"/>
+              </a:solidFill>
+              <a:uFill>
+                <a:solidFill>
+                  <a:srgbClr val="ffffff"/>
+                </a:solidFill>
+              </a:uFill>
+              <a:latin typeface="Arial"/>
+            </a:endParaRPr>
+          </a:p>
+        </p:txBody>
+      </p:sp>
+      <p:sp>
+        <p:nvSpPr>
+          <p:cNvPr id="5" name="PlaceHolder 2"/>
           <p:cNvSpPr>
             <a:spLocks noGrp="1"/>
           </p:cNvSpPr>
@@ -703,7 +708,7 @@
         <p:spPr>
           <a:xfrm>
             <a:off x="406800" y="863640"/>
-            <a:ext cx="7322040" cy="2140200"/>
+            <a:ext cx="7321680" cy="2139840"/>
           </a:xfrm>
           <a:prstGeom prst="rect">
             <a:avLst/>
@@ -712,16 +717,16 @@
         <p:txBody>
           <a:bodyPr lIns="0" rIns="0" tIns="0" bIns="0"/>
           <a:p>
-            <a:endParaRPr b="0" lang="en-US" sz="1510" spc="-1" strike="noStrike">
-              <a:solidFill>
-                <a:srgbClr val="000000"/>
-              </a:solidFill>
-              <a:uFill>
-                <a:solidFill>
-                  <a:srgbClr val="ffffff"/>
-                </a:solidFill>
-              </a:uFill>
-              <a:latin typeface="Calibri"/>
+            <a:endParaRPr b="0" lang="en-US" sz="3200" spc="-1" strike="noStrike">
+              <a:solidFill>
+                <a:srgbClr val="000000"/>
+              </a:solidFill>
+              <a:uFill>
+                <a:solidFill>
+                  <a:srgbClr val="ffffff"/>
+                </a:solidFill>
+              </a:uFill>
+              <a:latin typeface="Arial"/>
             </a:endParaRPr>
           </a:p>
         </p:txBody>
@@ -750,7 +755,7 @@
       </p:grpSpPr>
       <p:sp>
         <p:nvSpPr>
-          <p:cNvPr id="9" name="PlaceHolder 1"/>
+          <p:cNvPr id="6" name="PlaceHolder 1"/>
           <p:cNvSpPr>
             <a:spLocks noGrp="1"/>
           </p:cNvSpPr>
@@ -761,7 +766,7 @@
         <p:spPr>
           <a:xfrm>
             <a:off x="1017000" y="604080"/>
-            <a:ext cx="6101640" cy="1284480"/>
+            <a:ext cx="6100920" cy="1283760"/>
           </a:xfrm>
           <a:prstGeom prst="rect">
             <a:avLst/>
@@ -770,23 +775,24 @@
         <p:txBody>
           <a:bodyPr lIns="0" rIns="0" tIns="0" bIns="0" anchor="ctr"/>
           <a:p>
-            <a:endParaRPr b="0" lang="en-US" sz="1800" spc="-1" strike="noStrike">
-              <a:solidFill>
-                <a:srgbClr val="000000"/>
-              </a:solidFill>
-              <a:uFill>
-                <a:solidFill>
-                  <a:srgbClr val="ffffff"/>
-                </a:solidFill>
-              </a:uFill>
-              <a:latin typeface="Calibri"/>
-            </a:endParaRPr>
-          </a:p>
-        </p:txBody>
-      </p:sp>
-      <p:sp>
-        <p:nvSpPr>
-          <p:cNvPr id="10" name="PlaceHolder 2"/>
+            <a:pPr algn="ctr"/>
+            <a:endParaRPr b="0" lang="en-US" sz="4400" spc="-1" strike="noStrike">
+              <a:solidFill>
+                <a:srgbClr val="000000"/>
+              </a:solidFill>
+              <a:uFill>
+                <a:solidFill>
+                  <a:srgbClr val="ffffff"/>
+                </a:solidFill>
+              </a:uFill>
+              <a:latin typeface="Arial"/>
+            </a:endParaRPr>
+          </a:p>
+        </p:txBody>
+      </p:sp>
+      <p:sp>
+        <p:nvSpPr>
+          <p:cNvPr id="7" name="PlaceHolder 2"/>
           <p:cNvSpPr>
             <a:spLocks noGrp="1"/>
           </p:cNvSpPr>
@@ -797,7 +803,7 @@
         <p:spPr>
           <a:xfrm>
             <a:off x="406800" y="863640"/>
-            <a:ext cx="3573000" cy="2140200"/>
+            <a:ext cx="3572640" cy="2139840"/>
           </a:xfrm>
           <a:prstGeom prst="rect">
             <a:avLst/>
@@ -806,23 +812,23 @@
         <p:txBody>
           <a:bodyPr lIns="0" rIns="0" tIns="0" bIns="0"/>
           <a:p>
-            <a:endParaRPr b="0" lang="en-US" sz="1510" spc="-1" strike="noStrike">
-              <a:solidFill>
-                <a:srgbClr val="000000"/>
-              </a:solidFill>
-              <a:uFill>
-                <a:solidFill>
-                  <a:srgbClr val="ffffff"/>
-                </a:solidFill>
-              </a:uFill>
-              <a:latin typeface="Calibri"/>
-            </a:endParaRPr>
-          </a:p>
-        </p:txBody>
-      </p:sp>
-      <p:sp>
-        <p:nvSpPr>
-          <p:cNvPr id="11" name="PlaceHolder 3"/>
+            <a:endParaRPr b="0" lang="en-US" sz="3200" spc="-1" strike="noStrike">
+              <a:solidFill>
+                <a:srgbClr val="000000"/>
+              </a:solidFill>
+              <a:uFill>
+                <a:solidFill>
+                  <a:srgbClr val="ffffff"/>
+                </a:solidFill>
+              </a:uFill>
+              <a:latin typeface="Arial"/>
+            </a:endParaRPr>
+          </a:p>
+        </p:txBody>
+      </p:sp>
+      <p:sp>
+        <p:nvSpPr>
+          <p:cNvPr id="8" name="PlaceHolder 3"/>
           <p:cNvSpPr>
             <a:spLocks noGrp="1"/>
           </p:cNvSpPr>
@@ -832,8 +838,8 @@
         </p:nvSpPr>
         <p:spPr>
           <a:xfrm>
-            <a:off x="4158720" y="863640"/>
-            <a:ext cx="3573000" cy="2140200"/>
+            <a:off x="4158360" y="863640"/>
+            <a:ext cx="3572640" cy="2139840"/>
           </a:xfrm>
           <a:prstGeom prst="rect">
             <a:avLst/>
@@ -842,16 +848,16 @@
         <p:txBody>
           <a:bodyPr lIns="0" rIns="0" tIns="0" bIns="0"/>
           <a:p>
-            <a:endParaRPr b="0" lang="en-US" sz="1510" spc="-1" strike="noStrike">
-              <a:solidFill>
-                <a:srgbClr val="000000"/>
-              </a:solidFill>
-              <a:uFill>
-                <a:solidFill>
-                  <a:srgbClr val="ffffff"/>
-                </a:solidFill>
-              </a:uFill>
-              <a:latin typeface="Calibri"/>
+            <a:endParaRPr b="0" lang="en-US" sz="3200" spc="-1" strike="noStrike">
+              <a:solidFill>
+                <a:srgbClr val="000000"/>
+              </a:solidFill>
+              <a:uFill>
+                <a:solidFill>
+                  <a:srgbClr val="ffffff"/>
+                </a:solidFill>
+              </a:uFill>
+              <a:latin typeface="Arial"/>
             </a:endParaRPr>
           </a:p>
         </p:txBody>
@@ -880,7 +886,7 @@
       </p:grpSpPr>
       <p:sp>
         <p:nvSpPr>
-          <p:cNvPr id="12" name="PlaceHolder 1"/>
+          <p:cNvPr id="9" name="PlaceHolder 1"/>
           <p:cNvSpPr>
             <a:spLocks noGrp="1"/>
           </p:cNvSpPr>
@@ -891,7 +897,7 @@
         <p:spPr>
           <a:xfrm>
             <a:off x="1017000" y="604080"/>
-            <a:ext cx="6101640" cy="1284480"/>
+            <a:ext cx="6100920" cy="1283760"/>
           </a:xfrm>
           <a:prstGeom prst="rect">
             <a:avLst/>
@@ -900,16 +906,17 @@
         <p:txBody>
           <a:bodyPr lIns="0" rIns="0" tIns="0" bIns="0" anchor="ctr"/>
           <a:p>
-            <a:endParaRPr b="0" lang="en-US" sz="1800" spc="-1" strike="noStrike">
-              <a:solidFill>
-                <a:srgbClr val="000000"/>
-              </a:solidFill>
-              <a:uFill>
-                <a:solidFill>
-                  <a:srgbClr val="ffffff"/>
-                </a:solidFill>
-              </a:uFill>
-              <a:latin typeface="Calibri"/>
+            <a:pPr algn="ctr"/>
+            <a:endParaRPr b="0" lang="en-US" sz="4400" spc="-1" strike="noStrike">
+              <a:solidFill>
+                <a:srgbClr val="000000"/>
+              </a:solidFill>
+              <a:uFill>
+                <a:solidFill>
+                  <a:srgbClr val="ffffff"/>
+                </a:solidFill>
+              </a:uFill>
+              <a:latin typeface="Arial"/>
             </a:endParaRPr>
           </a:p>
         </p:txBody>
@@ -938,7 +945,7 @@
       </p:grpSpPr>
       <p:sp>
         <p:nvSpPr>
-          <p:cNvPr id="13" name="PlaceHolder 1"/>
+          <p:cNvPr id="10" name="PlaceHolder 1"/>
           <p:cNvSpPr>
             <a:spLocks noGrp="1"/>
           </p:cNvSpPr>
@@ -949,7 +956,7 @@
         <p:spPr>
           <a:xfrm>
             <a:off x="1017000" y="604080"/>
-            <a:ext cx="6101640" cy="5955480"/>
+            <a:ext cx="6100920" cy="5951880"/>
           </a:xfrm>
           <a:prstGeom prst="rect">
             <a:avLst/>
@@ -997,7 +1004,7 @@
       </p:grpSpPr>
       <p:sp>
         <p:nvSpPr>
-          <p:cNvPr id="14" name="PlaceHolder 1"/>
+          <p:cNvPr id="11" name="PlaceHolder 1"/>
           <p:cNvSpPr>
             <a:spLocks noGrp="1"/>
           </p:cNvSpPr>
@@ -1008,7 +1015,7 @@
         <p:spPr>
           <a:xfrm>
             <a:off x="1017000" y="604080"/>
-            <a:ext cx="6101640" cy="1284480"/>
+            <a:ext cx="6100920" cy="1283760"/>
           </a:xfrm>
           <a:prstGeom prst="rect">
             <a:avLst/>
@@ -1017,23 +1024,24 @@
         <p:txBody>
           <a:bodyPr lIns="0" rIns="0" tIns="0" bIns="0" anchor="ctr"/>
           <a:p>
-            <a:endParaRPr b="0" lang="en-US" sz="1800" spc="-1" strike="noStrike">
-              <a:solidFill>
-                <a:srgbClr val="000000"/>
-              </a:solidFill>
-              <a:uFill>
-                <a:solidFill>
-                  <a:srgbClr val="ffffff"/>
-                </a:solidFill>
-              </a:uFill>
-              <a:latin typeface="Calibri"/>
-            </a:endParaRPr>
-          </a:p>
-        </p:txBody>
-      </p:sp>
-      <p:sp>
-        <p:nvSpPr>
-          <p:cNvPr id="15" name="PlaceHolder 2"/>
+            <a:pPr algn="ctr"/>
+            <a:endParaRPr b="0" lang="en-US" sz="4400" spc="-1" strike="noStrike">
+              <a:solidFill>
+                <a:srgbClr val="000000"/>
+              </a:solidFill>
+              <a:uFill>
+                <a:solidFill>
+                  <a:srgbClr val="ffffff"/>
+                </a:solidFill>
+              </a:uFill>
+              <a:latin typeface="Arial"/>
+            </a:endParaRPr>
+          </a:p>
+        </p:txBody>
+      </p:sp>
+      <p:sp>
+        <p:nvSpPr>
+          <p:cNvPr id="12" name="PlaceHolder 2"/>
           <p:cNvSpPr>
             <a:spLocks noGrp="1"/>
           </p:cNvSpPr>
@@ -1044,7 +1052,7 @@
         <p:spPr>
           <a:xfrm>
             <a:off x="406800" y="863640"/>
-            <a:ext cx="3573000" cy="1020600"/>
+            <a:ext cx="3572640" cy="1020600"/>
           </a:xfrm>
           <a:prstGeom prst="rect">
             <a:avLst/>
@@ -1053,23 +1061,23 @@
         <p:txBody>
           <a:bodyPr lIns="0" rIns="0" tIns="0" bIns="0"/>
           <a:p>
-            <a:endParaRPr b="0" lang="en-US" sz="1510" spc="-1" strike="noStrike">
-              <a:solidFill>
-                <a:srgbClr val="000000"/>
-              </a:solidFill>
-              <a:uFill>
-                <a:solidFill>
-                  <a:srgbClr val="ffffff"/>
-                </a:solidFill>
-              </a:uFill>
-              <a:latin typeface="Calibri"/>
-            </a:endParaRPr>
-          </a:p>
-        </p:txBody>
-      </p:sp>
-      <p:sp>
-        <p:nvSpPr>
-          <p:cNvPr id="16" name="PlaceHolder 3"/>
+            <a:endParaRPr b="0" lang="en-US" sz="3200" spc="-1" strike="noStrike">
+              <a:solidFill>
+                <a:srgbClr val="000000"/>
+              </a:solidFill>
+              <a:uFill>
+                <a:solidFill>
+                  <a:srgbClr val="ffffff"/>
+                </a:solidFill>
+              </a:uFill>
+              <a:latin typeface="Arial"/>
+            </a:endParaRPr>
+          </a:p>
+        </p:txBody>
+      </p:sp>
+      <p:sp>
+        <p:nvSpPr>
+          <p:cNvPr id="13" name="PlaceHolder 3"/>
           <p:cNvSpPr>
             <a:spLocks noGrp="1"/>
           </p:cNvSpPr>
@@ -1080,7 +1088,7 @@
         <p:spPr>
           <a:xfrm>
             <a:off x="406800" y="1981440"/>
-            <a:ext cx="3573000" cy="1020600"/>
+            <a:ext cx="3572640" cy="1020600"/>
           </a:xfrm>
           <a:prstGeom prst="rect">
             <a:avLst/>
@@ -1089,23 +1097,23 @@
         <p:txBody>
           <a:bodyPr lIns="0" rIns="0" tIns="0" bIns="0"/>
           <a:p>
-            <a:endParaRPr b="0" lang="en-US" sz="1510" spc="-1" strike="noStrike">
-              <a:solidFill>
-                <a:srgbClr val="000000"/>
-              </a:solidFill>
-              <a:uFill>
-                <a:solidFill>
-                  <a:srgbClr val="ffffff"/>
-                </a:solidFill>
-              </a:uFill>
-              <a:latin typeface="Calibri"/>
-            </a:endParaRPr>
-          </a:p>
-        </p:txBody>
-      </p:sp>
-      <p:sp>
-        <p:nvSpPr>
-          <p:cNvPr id="17" name="PlaceHolder 4"/>
+            <a:endParaRPr b="0" lang="en-US" sz="3200" spc="-1" strike="noStrike">
+              <a:solidFill>
+                <a:srgbClr val="000000"/>
+              </a:solidFill>
+              <a:uFill>
+                <a:solidFill>
+                  <a:srgbClr val="ffffff"/>
+                </a:solidFill>
+              </a:uFill>
+              <a:latin typeface="Arial"/>
+            </a:endParaRPr>
+          </a:p>
+        </p:txBody>
+      </p:sp>
+      <p:sp>
+        <p:nvSpPr>
+          <p:cNvPr id="14" name="PlaceHolder 4"/>
           <p:cNvSpPr>
             <a:spLocks noGrp="1"/>
           </p:cNvSpPr>
@@ -1115,8 +1123,8 @@
         </p:nvSpPr>
         <p:spPr>
           <a:xfrm>
-            <a:off x="4158720" y="863640"/>
-            <a:ext cx="3573000" cy="2140200"/>
+            <a:off x="4158360" y="863640"/>
+            <a:ext cx="3572640" cy="2139840"/>
           </a:xfrm>
           <a:prstGeom prst="rect">
             <a:avLst/>
@@ -1125,16 +1133,16 @@
         <p:txBody>
           <a:bodyPr lIns="0" rIns="0" tIns="0" bIns="0"/>
           <a:p>
-            <a:endParaRPr b="0" lang="en-US" sz="1510" spc="-1" strike="noStrike">
-              <a:solidFill>
-                <a:srgbClr val="000000"/>
-              </a:solidFill>
-              <a:uFill>
-                <a:solidFill>
-                  <a:srgbClr val="ffffff"/>
-                </a:solidFill>
-              </a:uFill>
-              <a:latin typeface="Calibri"/>
+            <a:endParaRPr b="0" lang="en-US" sz="3200" spc="-1" strike="noStrike">
+              <a:solidFill>
+                <a:srgbClr val="000000"/>
+              </a:solidFill>
+              <a:uFill>
+                <a:solidFill>
+                  <a:srgbClr val="ffffff"/>
+                </a:solidFill>
+              </a:uFill>
+              <a:latin typeface="Arial"/>
             </a:endParaRPr>
           </a:p>
         </p:txBody>
@@ -1163,7 +1171,7 @@
       </p:grpSpPr>
       <p:sp>
         <p:nvSpPr>
-          <p:cNvPr id="18" name="PlaceHolder 1"/>
+          <p:cNvPr id="15" name="PlaceHolder 1"/>
           <p:cNvSpPr>
             <a:spLocks noGrp="1"/>
           </p:cNvSpPr>
@@ -1174,7 +1182,7 @@
         <p:spPr>
           <a:xfrm>
             <a:off x="1017000" y="604080"/>
-            <a:ext cx="6101640" cy="1284480"/>
+            <a:ext cx="6100920" cy="1283760"/>
           </a:xfrm>
           <a:prstGeom prst="rect">
             <a:avLst/>
@@ -1183,23 +1191,24 @@
         <p:txBody>
           <a:bodyPr lIns="0" rIns="0" tIns="0" bIns="0" anchor="ctr"/>
           <a:p>
-            <a:endParaRPr b="0" lang="en-US" sz="1800" spc="-1" strike="noStrike">
-              <a:solidFill>
-                <a:srgbClr val="000000"/>
-              </a:solidFill>
-              <a:uFill>
-                <a:solidFill>
-                  <a:srgbClr val="ffffff"/>
-                </a:solidFill>
-              </a:uFill>
-              <a:latin typeface="Calibri"/>
-            </a:endParaRPr>
-          </a:p>
-        </p:txBody>
-      </p:sp>
-      <p:sp>
-        <p:nvSpPr>
-          <p:cNvPr id="19" name="PlaceHolder 2"/>
+            <a:pPr algn="ctr"/>
+            <a:endParaRPr b="0" lang="en-US" sz="4400" spc="-1" strike="noStrike">
+              <a:solidFill>
+                <a:srgbClr val="000000"/>
+              </a:solidFill>
+              <a:uFill>
+                <a:solidFill>
+                  <a:srgbClr val="ffffff"/>
+                </a:solidFill>
+              </a:uFill>
+              <a:latin typeface="Arial"/>
+            </a:endParaRPr>
+          </a:p>
+        </p:txBody>
+      </p:sp>
+      <p:sp>
+        <p:nvSpPr>
+          <p:cNvPr id="16" name="PlaceHolder 2"/>
           <p:cNvSpPr>
             <a:spLocks noGrp="1"/>
           </p:cNvSpPr>
@@ -1210,7 +1219,7 @@
         <p:spPr>
           <a:xfrm>
             <a:off x="406800" y="863640"/>
-            <a:ext cx="3573000" cy="2140200"/>
+            <a:ext cx="3572640" cy="2139840"/>
           </a:xfrm>
           <a:prstGeom prst="rect">
             <a:avLst/>
@@ -1219,23 +1228,23 @@
         <p:txBody>
           <a:bodyPr lIns="0" rIns="0" tIns="0" bIns="0"/>
           <a:p>
-            <a:endParaRPr b="0" lang="en-US" sz="1510" spc="-1" strike="noStrike">
-              <a:solidFill>
-                <a:srgbClr val="000000"/>
-              </a:solidFill>
-              <a:uFill>
-                <a:solidFill>
-                  <a:srgbClr val="ffffff"/>
-                </a:solidFill>
-              </a:uFill>
-              <a:latin typeface="Calibri"/>
-            </a:endParaRPr>
-          </a:p>
-        </p:txBody>
-      </p:sp>
-      <p:sp>
-        <p:nvSpPr>
-          <p:cNvPr id="20" name="PlaceHolder 3"/>
+            <a:endParaRPr b="0" lang="en-US" sz="3200" spc="-1" strike="noStrike">
+              <a:solidFill>
+                <a:srgbClr val="000000"/>
+              </a:solidFill>
+              <a:uFill>
+                <a:solidFill>
+                  <a:srgbClr val="ffffff"/>
+                </a:solidFill>
+              </a:uFill>
+              <a:latin typeface="Arial"/>
+            </a:endParaRPr>
+          </a:p>
+        </p:txBody>
+      </p:sp>
+      <p:sp>
+        <p:nvSpPr>
+          <p:cNvPr id="17" name="PlaceHolder 3"/>
           <p:cNvSpPr>
             <a:spLocks noGrp="1"/>
           </p:cNvSpPr>
@@ -1245,8 +1254,8 @@
         </p:nvSpPr>
         <p:spPr>
           <a:xfrm>
-            <a:off x="4158720" y="863640"/>
-            <a:ext cx="3573000" cy="1020600"/>
+            <a:off x="4158360" y="863640"/>
+            <a:ext cx="3572640" cy="1020600"/>
           </a:xfrm>
           <a:prstGeom prst="rect">
             <a:avLst/>
@@ -1255,23 +1264,23 @@
         <p:txBody>
           <a:bodyPr lIns="0" rIns="0" tIns="0" bIns="0"/>
           <a:p>
-            <a:endParaRPr b="0" lang="en-US" sz="1510" spc="-1" strike="noStrike">
-              <a:solidFill>
-                <a:srgbClr val="000000"/>
-              </a:solidFill>
-              <a:uFill>
-                <a:solidFill>
-                  <a:srgbClr val="ffffff"/>
-                </a:solidFill>
-              </a:uFill>
-              <a:latin typeface="Calibri"/>
-            </a:endParaRPr>
-          </a:p>
-        </p:txBody>
-      </p:sp>
-      <p:sp>
-        <p:nvSpPr>
-          <p:cNvPr id="21" name="PlaceHolder 4"/>
+            <a:endParaRPr b="0" lang="en-US" sz="3200" spc="-1" strike="noStrike">
+              <a:solidFill>
+                <a:srgbClr val="000000"/>
+              </a:solidFill>
+              <a:uFill>
+                <a:solidFill>
+                  <a:srgbClr val="ffffff"/>
+                </a:solidFill>
+              </a:uFill>
+              <a:latin typeface="Arial"/>
+            </a:endParaRPr>
+          </a:p>
+        </p:txBody>
+      </p:sp>
+      <p:sp>
+        <p:nvSpPr>
+          <p:cNvPr id="18" name="PlaceHolder 4"/>
           <p:cNvSpPr>
             <a:spLocks noGrp="1"/>
           </p:cNvSpPr>
@@ -1281,8 +1290,8 @@
         </p:nvSpPr>
         <p:spPr>
           <a:xfrm>
-            <a:off x="4158720" y="1981440"/>
-            <a:ext cx="3573000" cy="1020600"/>
+            <a:off x="4158360" y="1981440"/>
+            <a:ext cx="3572640" cy="1020600"/>
           </a:xfrm>
           <a:prstGeom prst="rect">
             <a:avLst/>
@@ -1291,16 +1300,16 @@
         <p:txBody>
           <a:bodyPr lIns="0" rIns="0" tIns="0" bIns="0"/>
           <a:p>
-            <a:endParaRPr b="0" lang="en-US" sz="1510" spc="-1" strike="noStrike">
-              <a:solidFill>
-                <a:srgbClr val="000000"/>
-              </a:solidFill>
-              <a:uFill>
-                <a:solidFill>
-                  <a:srgbClr val="ffffff"/>
-                </a:solidFill>
-              </a:uFill>
-              <a:latin typeface="Calibri"/>
+            <a:endParaRPr b="0" lang="en-US" sz="3200" spc="-1" strike="noStrike">
+              <a:solidFill>
+                <a:srgbClr val="000000"/>
+              </a:solidFill>
+              <a:uFill>
+                <a:solidFill>
+                  <a:srgbClr val="ffffff"/>
+                </a:solidFill>
+              </a:uFill>
+              <a:latin typeface="Arial"/>
             </a:endParaRPr>
           </a:p>
         </p:txBody>
@@ -1329,7 +1338,7 @@
       </p:grpSpPr>
       <p:sp>
         <p:nvSpPr>
-          <p:cNvPr id="22" name="PlaceHolder 1"/>
+          <p:cNvPr id="19" name="PlaceHolder 1"/>
           <p:cNvSpPr>
             <a:spLocks noGrp="1"/>
           </p:cNvSpPr>
@@ -1340,7 +1349,7 @@
         <p:spPr>
           <a:xfrm>
             <a:off x="1017000" y="604080"/>
-            <a:ext cx="6101640" cy="1284480"/>
+            <a:ext cx="6100920" cy="1283760"/>
           </a:xfrm>
           <a:prstGeom prst="rect">
             <a:avLst/>
@@ -1349,23 +1358,24 @@
         <p:txBody>
           <a:bodyPr lIns="0" rIns="0" tIns="0" bIns="0" anchor="ctr"/>
           <a:p>
-            <a:endParaRPr b="0" lang="en-US" sz="1800" spc="-1" strike="noStrike">
-              <a:solidFill>
-                <a:srgbClr val="000000"/>
-              </a:solidFill>
-              <a:uFill>
-                <a:solidFill>
-                  <a:srgbClr val="ffffff"/>
-                </a:solidFill>
-              </a:uFill>
-              <a:latin typeface="Calibri"/>
-            </a:endParaRPr>
-          </a:p>
-        </p:txBody>
-      </p:sp>
-      <p:sp>
-        <p:nvSpPr>
-          <p:cNvPr id="23" name="PlaceHolder 2"/>
+            <a:pPr algn="ctr"/>
+            <a:endParaRPr b="0" lang="en-US" sz="4400" spc="-1" strike="noStrike">
+              <a:solidFill>
+                <a:srgbClr val="000000"/>
+              </a:solidFill>
+              <a:uFill>
+                <a:solidFill>
+                  <a:srgbClr val="ffffff"/>
+                </a:solidFill>
+              </a:uFill>
+              <a:latin typeface="Arial"/>
+            </a:endParaRPr>
+          </a:p>
+        </p:txBody>
+      </p:sp>
+      <p:sp>
+        <p:nvSpPr>
+          <p:cNvPr id="20" name="PlaceHolder 2"/>
           <p:cNvSpPr>
             <a:spLocks noGrp="1"/>
           </p:cNvSpPr>
@@ -1376,7 +1386,7 @@
         <p:spPr>
           <a:xfrm>
             <a:off x="406800" y="863640"/>
-            <a:ext cx="3573000" cy="1020600"/>
+            <a:ext cx="3572640" cy="1020600"/>
           </a:xfrm>
           <a:prstGeom prst="rect">
             <a:avLst/>
@@ -1385,23 +1395,23 @@
         <p:txBody>
           <a:bodyPr lIns="0" rIns="0" tIns="0" bIns="0"/>
           <a:p>
-            <a:endParaRPr b="0" lang="en-US" sz="1510" spc="-1" strike="noStrike">
-              <a:solidFill>
-                <a:srgbClr val="000000"/>
-              </a:solidFill>
-              <a:uFill>
-                <a:solidFill>
-                  <a:srgbClr val="ffffff"/>
-                </a:solidFill>
-              </a:uFill>
-              <a:latin typeface="Calibri"/>
-            </a:endParaRPr>
-          </a:p>
-        </p:txBody>
-      </p:sp>
-      <p:sp>
-        <p:nvSpPr>
-          <p:cNvPr id="24" name="PlaceHolder 3"/>
+            <a:endParaRPr b="0" lang="en-US" sz="3200" spc="-1" strike="noStrike">
+              <a:solidFill>
+                <a:srgbClr val="000000"/>
+              </a:solidFill>
+              <a:uFill>
+                <a:solidFill>
+                  <a:srgbClr val="ffffff"/>
+                </a:solidFill>
+              </a:uFill>
+              <a:latin typeface="Arial"/>
+            </a:endParaRPr>
+          </a:p>
+        </p:txBody>
+      </p:sp>
+      <p:sp>
+        <p:nvSpPr>
+          <p:cNvPr id="21" name="PlaceHolder 3"/>
           <p:cNvSpPr>
             <a:spLocks noGrp="1"/>
           </p:cNvSpPr>
@@ -1411,8 +1421,8 @@
         </p:nvSpPr>
         <p:spPr>
           <a:xfrm>
-            <a:off x="4158720" y="863640"/>
-            <a:ext cx="3573000" cy="1020600"/>
+            <a:off x="4158360" y="863640"/>
+            <a:ext cx="3572640" cy="1020600"/>
           </a:xfrm>
           <a:prstGeom prst="rect">
             <a:avLst/>
@@ -1421,23 +1431,23 @@
         <p:txBody>
           <a:bodyPr lIns="0" rIns="0" tIns="0" bIns="0"/>
           <a:p>
-            <a:endParaRPr b="0" lang="en-US" sz="1510" spc="-1" strike="noStrike">
-              <a:solidFill>
-                <a:srgbClr val="000000"/>
-              </a:solidFill>
-              <a:uFill>
-                <a:solidFill>
-                  <a:srgbClr val="ffffff"/>
-                </a:solidFill>
-              </a:uFill>
-              <a:latin typeface="Calibri"/>
-            </a:endParaRPr>
-          </a:p>
-        </p:txBody>
-      </p:sp>
-      <p:sp>
-        <p:nvSpPr>
-          <p:cNvPr id="25" name="PlaceHolder 4"/>
+            <a:endParaRPr b="0" lang="en-US" sz="3200" spc="-1" strike="noStrike">
+              <a:solidFill>
+                <a:srgbClr val="000000"/>
+              </a:solidFill>
+              <a:uFill>
+                <a:solidFill>
+                  <a:srgbClr val="ffffff"/>
+                </a:solidFill>
+              </a:uFill>
+              <a:latin typeface="Arial"/>
+            </a:endParaRPr>
+          </a:p>
+        </p:txBody>
+      </p:sp>
+      <p:sp>
+        <p:nvSpPr>
+          <p:cNvPr id="22" name="PlaceHolder 4"/>
           <p:cNvSpPr>
             <a:spLocks noGrp="1"/>
           </p:cNvSpPr>
@@ -1448,7 +1458,7 @@
         <p:spPr>
           <a:xfrm>
             <a:off x="406800" y="1981440"/>
-            <a:ext cx="7322040" cy="1020600"/>
+            <a:ext cx="7321680" cy="1020600"/>
           </a:xfrm>
           <a:prstGeom prst="rect">
             <a:avLst/>
@@ -1457,16 +1467,16 @@
         <p:txBody>
           <a:bodyPr lIns="0" rIns="0" tIns="0" bIns="0"/>
           <a:p>
-            <a:endParaRPr b="0" lang="en-US" sz="1510" spc="-1" strike="noStrike">
-              <a:solidFill>
-                <a:srgbClr val="000000"/>
-              </a:solidFill>
-              <a:uFill>
-                <a:solidFill>
-                  <a:srgbClr val="ffffff"/>
-                </a:solidFill>
-              </a:uFill>
-              <a:latin typeface="Calibri"/>
+            <a:endParaRPr b="0" lang="en-US" sz="3200" spc="-1" strike="noStrike">
+              <a:solidFill>
+                <a:srgbClr val="000000"/>
+              </a:solidFill>
+              <a:uFill>
+                <a:solidFill>
+                  <a:srgbClr val="ffffff"/>
+                </a:solidFill>
+              </a:uFill>
+              <a:latin typeface="Arial"/>
             </a:endParaRPr>
           </a:p>
         </p:txBody>
@@ -1513,44 +1523,26 @@
         <p:spPr>
           <a:xfrm>
             <a:off x="1017000" y="604080"/>
-            <a:ext cx="6101640" cy="1284480"/>
-          </a:xfrm>
-          <a:prstGeom prst="rect">
-            <a:avLst/>
-          </a:prstGeom>
-        </p:spPr>
-        <p:txBody>
-          <a:bodyPr anchor="b"/>
-          <a:p>
-            <a:pPr algn="ctr">
-              <a:lnSpc>
-                <a:spcPct val="100000"/>
-              </a:lnSpc>
-            </a:pPr>
-            <a:r>
-              <a:rPr b="0" lang="en-US" sz="3230" spc="-1" strike="noStrike">
-                <a:solidFill>
-                  <a:srgbClr val="000000"/>
-                </a:solidFill>
-                <a:uFill>
-                  <a:solidFill>
-                    <a:srgbClr val="ffffff"/>
-                  </a:solidFill>
-                </a:uFill>
-                <a:latin typeface="Calibri Light"/>
-              </a:rPr>
-              <a:t>Click to edit Master title style</a:t>
-            </a:r>
-            <a:endParaRPr b="0" lang="en-US" sz="1800" spc="-1" strike="noStrike">
-              <a:solidFill>
-                <a:srgbClr val="000000"/>
-              </a:solidFill>
-              <a:uFill>
-                <a:solidFill>
-                  <a:srgbClr val="ffffff"/>
-                </a:solidFill>
-              </a:uFill>
-              <a:latin typeface="Calibri"/>
+            <a:ext cx="6100920" cy="1283760"/>
+          </a:xfrm>
+          <a:prstGeom prst="rect">
+            <a:avLst/>
+          </a:prstGeom>
+        </p:spPr>
+        <p:txBody>
+          <a:bodyPr lIns="0" rIns="0" tIns="0" bIns="0" anchor="ctr"/>
+          <a:p>
+            <a:pPr algn="ctr"/>
+            <a:endParaRPr b="0" lang="en-US" sz="4400" spc="-1" strike="noStrike">
+              <a:solidFill>
+                <a:srgbClr val="000000"/>
+              </a:solidFill>
+              <a:uFill>
+                <a:solidFill>
+                  <a:srgbClr val="ffffff"/>
+                </a:solidFill>
+              </a:uFill>
+              <a:latin typeface="Arial"/>
             </a:endParaRPr>
           </a:p>
         </p:txBody>
@@ -1562,159 +1554,13 @@
             <a:spLocks noGrp="1"/>
           </p:cNvSpPr>
           <p:nvPr>
-            <p:ph type="dt"/>
-          </p:nvPr>
-        </p:nvSpPr>
-        <p:spPr>
-          <a:xfrm>
-            <a:off x="559440" y="3421080"/>
-            <a:ext cx="1830240" cy="196200"/>
-          </a:xfrm>
-          <a:prstGeom prst="rect">
-            <a:avLst/>
-          </a:prstGeom>
-        </p:spPr>
-        <p:txBody>
-          <a:bodyPr anchor="ctr"/>
-          <a:p>
-            <a:pPr>
-              <a:lnSpc>
-                <a:spcPct val="100000"/>
-              </a:lnSpc>
-            </a:pPr>
-            <a:r>
-              <a:rPr b="0" lang="en-US" sz="650" spc="-1" strike="noStrike">
-                <a:solidFill>
-                  <a:srgbClr val="8b8b8b"/>
-                </a:solidFill>
-                <a:uFill>
-                  <a:solidFill>
-                    <a:srgbClr val="ffffff"/>
-                  </a:solidFill>
-                </a:uFill>
-                <a:latin typeface="Calibri"/>
-              </a:rPr>
-              <a:t>10/2/18</a:t>
-            </a:r>
-            <a:endParaRPr b="0" lang="en-US" sz="1400" spc="-1" strike="noStrike">
-              <a:solidFill>
-                <a:srgbClr val="000000"/>
-              </a:solidFill>
-              <a:uFill>
-                <a:solidFill>
-                  <a:srgbClr val="ffffff"/>
-                </a:solidFill>
-              </a:uFill>
-              <a:latin typeface="Times New Roman"/>
-            </a:endParaRPr>
-          </a:p>
-        </p:txBody>
-      </p:sp>
-      <p:sp>
-        <p:nvSpPr>
-          <p:cNvPr id="2" name="PlaceHolder 3"/>
-          <p:cNvSpPr>
-            <a:spLocks noGrp="1"/>
-          </p:cNvSpPr>
-          <p:nvPr>
-            <p:ph type="ftr"/>
-          </p:nvPr>
-        </p:nvSpPr>
-        <p:spPr>
-          <a:xfrm>
-            <a:off x="2694960" y="3421080"/>
-            <a:ext cx="2745360" cy="196200"/>
-          </a:xfrm>
-          <a:prstGeom prst="rect">
-            <a:avLst/>
-          </a:prstGeom>
-        </p:spPr>
-        <p:txBody>
-          <a:bodyPr anchor="ctr"/>
-          <a:p>
-            <a:endParaRPr b="0" lang="en-US" sz="2400" spc="-1" strike="noStrike">
-              <a:solidFill>
-                <a:srgbClr val="000000"/>
-              </a:solidFill>
-              <a:uFill>
-                <a:solidFill>
-                  <a:srgbClr val="ffffff"/>
-                </a:solidFill>
-              </a:uFill>
-              <a:latin typeface="Times New Roman"/>
-            </a:endParaRPr>
-          </a:p>
-        </p:txBody>
-      </p:sp>
-      <p:sp>
-        <p:nvSpPr>
-          <p:cNvPr id="3" name="PlaceHolder 4"/>
-          <p:cNvSpPr>
-            <a:spLocks noGrp="1"/>
-          </p:cNvSpPr>
-          <p:nvPr>
-            <p:ph type="sldNum"/>
-          </p:nvPr>
-        </p:nvSpPr>
-        <p:spPr>
-          <a:xfrm>
-            <a:off x="5745960" y="3421080"/>
-            <a:ext cx="1830240" cy="196200"/>
-          </a:xfrm>
-          <a:prstGeom prst="rect">
-            <a:avLst/>
-          </a:prstGeom>
-        </p:spPr>
-        <p:txBody>
-          <a:bodyPr anchor="ctr"/>
-          <a:p>
-            <a:pPr algn="r">
-              <a:lnSpc>
-                <a:spcPct val="100000"/>
-              </a:lnSpc>
-            </a:pPr>
-            <a:fld id="{CCE6975E-CB72-468E-AAC7-F69D14A0AFDF}" type="slidenum">
-              <a:rPr b="0" lang="en-US" sz="650" spc="-1" strike="noStrike">
-                <a:solidFill>
-                  <a:srgbClr val="8b8b8b"/>
-                </a:solidFill>
-                <a:uFill>
-                  <a:solidFill>
-                    <a:srgbClr val="ffffff"/>
-                  </a:solidFill>
-                </a:uFill>
-                <a:latin typeface="Calibri"/>
-              </a:rPr>
-              <a:t>1</a:t>
-            </a:fld>
-            <a:endParaRPr b="0" lang="en-US" sz="1400" spc="-1" strike="noStrike">
-              <a:solidFill>
-                <a:srgbClr val="000000"/>
-              </a:solidFill>
-              <a:uFill>
-                <a:solidFill>
-                  <a:srgbClr val="ffffff"/>
-                </a:solidFill>
-              </a:uFill>
-              <a:latin typeface="Times New Roman"/>
-            </a:endParaRPr>
-          </a:p>
-        </p:txBody>
-      </p:sp>
-      <p:sp>
-        <p:nvSpPr>
-          <p:cNvPr id="4" name="PlaceHolder 5"/>
-          <p:cNvSpPr>
-            <a:spLocks noGrp="1"/>
-          </p:cNvSpPr>
-          <p:nvPr>
             <p:ph type="body"/>
           </p:nvPr>
         </p:nvSpPr>
         <p:spPr>
           <a:xfrm>
             <a:off x="406800" y="863640"/>
-            <a:ext cx="7322040" cy="2140200"/>
+            <a:ext cx="7321680" cy="2139840"/>
           </a:xfrm>
           <a:prstGeom prst="rect">
             <a:avLst/>
@@ -1732,7 +1578,7 @@
               <a:buChar char=""/>
             </a:pPr>
             <a:r>
-              <a:rPr b="0" lang="en-US" sz="1510" spc="-1" strike="noStrike">
+              <a:rPr b="0" lang="en-US" sz="1800" spc="-1" strike="noStrike">
                 <a:solidFill>
                   <a:srgbClr val="000000"/>
                 </a:solidFill>
@@ -1741,20 +1587,20 @@
                     <a:srgbClr val="ffffff"/>
                   </a:solidFill>
                 </a:uFill>
-                <a:latin typeface="Calibri"/>
+                <a:latin typeface="Arial"/>
               </a:rPr>
               <a:t>Click to edit the outline text format</a:t>
             </a:r>
-            <a:endParaRPr b="0" lang="en-US" sz="1510" spc="-1" strike="noStrike">
-              <a:solidFill>
-                <a:srgbClr val="000000"/>
-              </a:solidFill>
-              <a:uFill>
-                <a:solidFill>
-                  <a:srgbClr val="ffffff"/>
-                </a:solidFill>
-              </a:uFill>
-              <a:latin typeface="Calibri"/>
+            <a:endParaRPr b="0" lang="en-US" sz="1800" spc="-1" strike="noStrike">
+              <a:solidFill>
+                <a:srgbClr val="000000"/>
+              </a:solidFill>
+              <a:uFill>
+                <a:solidFill>
+                  <a:srgbClr val="ffffff"/>
+                </a:solidFill>
+              </a:uFill>
+              <a:latin typeface="Arial"/>
             </a:endParaRPr>
           </a:p>
           <a:p>
@@ -1767,7 +1613,7 @@
               <a:buChar char=""/>
             </a:pPr>
             <a:r>
-              <a:rPr b="0" lang="en-US" sz="1080" spc="-1" strike="noStrike">
+              <a:rPr b="0" lang="en-US" sz="1800" spc="-1" strike="noStrike">
                 <a:solidFill>
                   <a:srgbClr val="000000"/>
                 </a:solidFill>
@@ -1776,20 +1622,20 @@
                     <a:srgbClr val="ffffff"/>
                   </a:solidFill>
                 </a:uFill>
-                <a:latin typeface="Calibri"/>
+                <a:latin typeface="Arial"/>
               </a:rPr>
               <a:t>Second Outline Level</a:t>
             </a:r>
-            <a:endParaRPr b="0" lang="en-US" sz="1080" spc="-1" strike="noStrike">
-              <a:solidFill>
-                <a:srgbClr val="000000"/>
-              </a:solidFill>
-              <a:uFill>
-                <a:solidFill>
-                  <a:srgbClr val="ffffff"/>
-                </a:solidFill>
-              </a:uFill>
-              <a:latin typeface="Calibri"/>
+            <a:endParaRPr b="0" lang="en-US" sz="1800" spc="-1" strike="noStrike">
+              <a:solidFill>
+                <a:srgbClr val="000000"/>
+              </a:solidFill>
+              <a:uFill>
+                <a:solidFill>
+                  <a:srgbClr val="ffffff"/>
+                </a:solidFill>
+              </a:uFill>
+              <a:latin typeface="Arial"/>
             </a:endParaRPr>
           </a:p>
           <a:p>
@@ -1802,7 +1648,7 @@
               <a:buChar char=""/>
             </a:pPr>
             <a:r>
-              <a:rPr b="0" lang="en-US" sz="970" spc="-1" strike="noStrike">
+              <a:rPr b="0" lang="en-US" sz="1800" spc="-1" strike="noStrike">
                 <a:solidFill>
                   <a:srgbClr val="000000"/>
                 </a:solidFill>
@@ -1811,20 +1657,20 @@
                     <a:srgbClr val="ffffff"/>
                   </a:solidFill>
                 </a:uFill>
-                <a:latin typeface="Calibri"/>
+                <a:latin typeface="Arial"/>
               </a:rPr>
               <a:t>Third Outline Level</a:t>
             </a:r>
-            <a:endParaRPr b="0" lang="en-US" sz="970" spc="-1" strike="noStrike">
-              <a:solidFill>
-                <a:srgbClr val="000000"/>
-              </a:solidFill>
-              <a:uFill>
-                <a:solidFill>
-                  <a:srgbClr val="ffffff"/>
-                </a:solidFill>
-              </a:uFill>
-              <a:latin typeface="Calibri"/>
+            <a:endParaRPr b="0" lang="en-US" sz="1800" spc="-1" strike="noStrike">
+              <a:solidFill>
+                <a:srgbClr val="000000"/>
+              </a:solidFill>
+              <a:uFill>
+                <a:solidFill>
+                  <a:srgbClr val="ffffff"/>
+                </a:solidFill>
+              </a:uFill>
+              <a:latin typeface="Arial"/>
             </a:endParaRPr>
           </a:p>
           <a:p>
@@ -1837,7 +1683,7 @@
               <a:buChar char=""/>
             </a:pPr>
             <a:r>
-              <a:rPr b="0" lang="en-US" sz="970" spc="-1" strike="noStrike">
+              <a:rPr b="0" lang="en-US" sz="1800" spc="-1" strike="noStrike">
                 <a:solidFill>
                   <a:srgbClr val="000000"/>
                 </a:solidFill>
@@ -1846,20 +1692,20 @@
                     <a:srgbClr val="ffffff"/>
                   </a:solidFill>
                 </a:uFill>
-                <a:latin typeface="Calibri"/>
+                <a:latin typeface="Arial"/>
               </a:rPr>
               <a:t>Fourth Outline Level</a:t>
             </a:r>
-            <a:endParaRPr b="0" lang="en-US" sz="970" spc="-1" strike="noStrike">
-              <a:solidFill>
-                <a:srgbClr val="000000"/>
-              </a:solidFill>
-              <a:uFill>
-                <a:solidFill>
-                  <a:srgbClr val="ffffff"/>
-                </a:solidFill>
-              </a:uFill>
-              <a:latin typeface="Calibri"/>
+            <a:endParaRPr b="0" lang="en-US" sz="1800" spc="-1" strike="noStrike">
+              <a:solidFill>
+                <a:srgbClr val="000000"/>
+              </a:solidFill>
+              <a:uFill>
+                <a:solidFill>
+                  <a:srgbClr val="ffffff"/>
+                </a:solidFill>
+              </a:uFill>
+              <a:latin typeface="Arial"/>
             </a:endParaRPr>
           </a:p>
           <a:p>
@@ -1872,7 +1718,7 @@
               <a:buChar char=""/>
             </a:pPr>
             <a:r>
-              <a:rPr b="0" lang="en-US" sz="2000" spc="-1" strike="noStrike">
+              <a:rPr b="0" lang="en-US" sz="1800" spc="-1" strike="noStrike">
                 <a:solidFill>
                   <a:srgbClr val="000000"/>
                 </a:solidFill>
@@ -1881,20 +1727,20 @@
                     <a:srgbClr val="ffffff"/>
                   </a:solidFill>
                 </a:uFill>
-                <a:latin typeface="Calibri"/>
+                <a:latin typeface="Arial"/>
               </a:rPr>
               <a:t>Fifth Outline Level</a:t>
             </a:r>
-            <a:endParaRPr b="0" lang="en-US" sz="2000" spc="-1" strike="noStrike">
-              <a:solidFill>
-                <a:srgbClr val="000000"/>
-              </a:solidFill>
-              <a:uFill>
-                <a:solidFill>
-                  <a:srgbClr val="ffffff"/>
-                </a:solidFill>
-              </a:uFill>
-              <a:latin typeface="Calibri"/>
+            <a:endParaRPr b="0" lang="en-US" sz="1800" spc="-1" strike="noStrike">
+              <a:solidFill>
+                <a:srgbClr val="000000"/>
+              </a:solidFill>
+              <a:uFill>
+                <a:solidFill>
+                  <a:srgbClr val="ffffff"/>
+                </a:solidFill>
+              </a:uFill>
+              <a:latin typeface="Arial"/>
             </a:endParaRPr>
           </a:p>
           <a:p>
@@ -1907,7 +1753,7 @@
               <a:buChar char=""/>
             </a:pPr>
             <a:r>
-              <a:rPr b="0" lang="en-US" sz="2000" spc="-1" strike="noStrike">
+              <a:rPr b="0" lang="en-US" sz="1800" spc="-1" strike="noStrike">
                 <a:solidFill>
                   <a:srgbClr val="000000"/>
                 </a:solidFill>
@@ -1916,20 +1762,20 @@
                     <a:srgbClr val="ffffff"/>
                   </a:solidFill>
                 </a:uFill>
-                <a:latin typeface="Calibri"/>
+                <a:latin typeface="Arial"/>
               </a:rPr>
               <a:t>Sixth Outline Level</a:t>
             </a:r>
-            <a:endParaRPr b="0" lang="en-US" sz="2000" spc="-1" strike="noStrike">
-              <a:solidFill>
-                <a:srgbClr val="000000"/>
-              </a:solidFill>
-              <a:uFill>
-                <a:solidFill>
-                  <a:srgbClr val="ffffff"/>
-                </a:solidFill>
-              </a:uFill>
-              <a:latin typeface="Calibri"/>
+            <a:endParaRPr b="0" lang="en-US" sz="1800" spc="-1" strike="noStrike">
+              <a:solidFill>
+                <a:srgbClr val="000000"/>
+              </a:solidFill>
+              <a:uFill>
+                <a:solidFill>
+                  <a:srgbClr val="ffffff"/>
+                </a:solidFill>
+              </a:uFill>
+              <a:latin typeface="Arial"/>
             </a:endParaRPr>
           </a:p>
           <a:p>
@@ -1942,7 +1788,7 @@
               <a:buChar char=""/>
             </a:pPr>
             <a:r>
-              <a:rPr b="0" lang="en-US" sz="2000" spc="-1" strike="noStrike">
+              <a:rPr b="0" lang="en-US" sz="1800" spc="-1" strike="noStrike">
                 <a:solidFill>
                   <a:srgbClr val="000000"/>
                 </a:solidFill>
@@ -1951,20 +1797,20 @@
                     <a:srgbClr val="ffffff"/>
                   </a:solidFill>
                 </a:uFill>
-                <a:latin typeface="Calibri"/>
+                <a:latin typeface="Arial"/>
               </a:rPr>
               <a:t>Seventh Outline Level</a:t>
             </a:r>
-            <a:endParaRPr b="0" lang="en-US" sz="2000" spc="-1" strike="noStrike">
-              <a:solidFill>
-                <a:srgbClr val="000000"/>
-              </a:solidFill>
-              <a:uFill>
-                <a:solidFill>
-                  <a:srgbClr val="ffffff"/>
-                </a:solidFill>
-              </a:uFill>
-              <a:latin typeface="Calibri"/>
+            <a:endParaRPr b="0" lang="en-US" sz="1800" spc="-1" strike="noStrike">
+              <a:solidFill>
+                <a:srgbClr val="000000"/>
+              </a:solidFill>
+              <a:uFill>
+                <a:solidFill>
+                  <a:srgbClr val="ffffff"/>
+                </a:solidFill>
+              </a:uFill>
+              <a:latin typeface="Arial"/>
             </a:endParaRPr>
           </a:p>
         </p:txBody>
@@ -2008,7 +1854,7 @@
       </p:grpSpPr>
       <p:pic>
         <p:nvPicPr>
-          <p:cNvPr id="39" name="" descr=""/>
+          <p:cNvPr id="36" name="" descr=""/>
           <p:cNvPicPr/>
           <p:nvPr/>
         </p:nvPicPr>
@@ -2018,8 +1864,8 @@
         </p:blipFill>
         <p:spPr>
           <a:xfrm>
-            <a:off x="6082560" y="182880"/>
-            <a:ext cx="1872720" cy="2926080"/>
+            <a:off x="5896800" y="275040"/>
+            <a:ext cx="1872000" cy="2925360"/>
           </a:xfrm>
           <a:prstGeom prst="rect">
             <a:avLst/>
@@ -2031,20 +1877,20 @@
       </p:pic>
       <p:sp>
         <p:nvSpPr>
-          <p:cNvPr id="40" name="CustomShape 1"/>
+          <p:cNvPr id="37" name="CustomShape 1"/>
           <p:cNvSpPr/>
           <p:nvPr/>
         </p:nvSpPr>
         <p:spPr>
           <a:xfrm>
             <a:off x="0" y="723960"/>
-            <a:ext cx="5981400" cy="760680"/>
+            <a:ext cx="5980680" cy="759960"/>
           </a:xfrm>
           <a:prstGeom prst="rect">
             <a:avLst/>
           </a:prstGeom>
           <a:solidFill>
-            <a:schemeClr val="accent4"/>
+            <a:srgbClr val="ff9900"/>
           </a:solidFill>
           <a:ln>
             <a:noFill/>
@@ -2075,6 +1921,7 @@
                   </a:solidFill>
                 </a:uFill>
                 <a:latin typeface="Calibri"/>
+                <a:ea typeface="DejaVu Sans"/>
               </a:rPr>
               <a:t>GSS Open Access Award</a:t>
             </a:r>
@@ -2094,14 +1941,14 @@
       </p:sp>
       <p:sp>
         <p:nvSpPr>
-          <p:cNvPr id="41" name="CustomShape 2"/>
+          <p:cNvPr id="38" name="CustomShape 2"/>
           <p:cNvSpPr/>
           <p:nvPr/>
         </p:nvSpPr>
         <p:spPr>
           <a:xfrm>
             <a:off x="91440" y="1554480"/>
-            <a:ext cx="7860960" cy="515880"/>
+            <a:ext cx="7860240" cy="515160"/>
           </a:xfrm>
           <a:prstGeom prst="rect">
             <a:avLst/>
@@ -2136,6 +1983,7 @@
                   </a:solidFill>
                 </a:uFill>
                 <a:latin typeface="Calibri"/>
+                <a:ea typeface="DejaVu Sans"/>
               </a:rPr>
               <a:t>Application Deadline: November 30</a:t>
             </a:r>
@@ -2150,6 +1998,7 @@
                   </a:solidFill>
                 </a:uFill>
                 <a:latin typeface="Calibri"/>
+                <a:ea typeface="DejaVu Sans"/>
               </a:rPr>
               <a:t>th</a:t>
             </a:r>
@@ -2164,6 +2013,7 @@
                   </a:solidFill>
                 </a:uFill>
                 <a:latin typeface="Calibri"/>
+                <a:ea typeface="DejaVu Sans"/>
               </a:rPr>
               <a:t>, 2018 </a:t>
             </a:r>
@@ -2183,7 +2033,7 @@
       </p:sp>
       <p:sp>
         <p:nvSpPr>
-          <p:cNvPr id="42" name="Line 3"/>
+          <p:cNvPr id="39" name="Line 3"/>
           <p:cNvSpPr/>
           <p:nvPr/>
         </p:nvSpPr>
@@ -2197,8 +2047,9 @@
           </a:prstGeom>
           <a:ln w="31680">
             <a:solidFill>
-              <a:schemeClr val="accent4"/>
+              <a:srgbClr val="ff9900"/>
             </a:solidFill>
+            <a:round/>
           </a:ln>
         </p:spPr>
         <p:style>
@@ -2216,7 +2067,7 @@
       </p:sp>
       <p:pic>
         <p:nvPicPr>
-          <p:cNvPr id="43" name="Picture 8" descr=""/>
+          <p:cNvPr id="40" name="Picture 8" descr=""/>
           <p:cNvPicPr/>
           <p:nvPr/>
         </p:nvPicPr>
@@ -2227,7 +2078,7 @@
         <p:spPr>
           <a:xfrm>
             <a:off x="421200" y="2966040"/>
-            <a:ext cx="3419280" cy="508680"/>
+            <a:ext cx="3418560" cy="507960"/>
           </a:xfrm>
           <a:prstGeom prst="rect">
             <a:avLst/>
@@ -2239,7 +2090,7 @@
       </p:pic>
       <p:pic>
         <p:nvPicPr>
-          <p:cNvPr id="44" name="Picture 10" descr=""/>
+          <p:cNvPr id="41" name="Picture 10" descr=""/>
           <p:cNvPicPr/>
           <p:nvPr/>
         </p:nvPicPr>
@@ -2250,7 +2101,7 @@
         <p:spPr>
           <a:xfrm>
             <a:off x="4477680" y="2975760"/>
-            <a:ext cx="3291840" cy="455760"/>
+            <a:ext cx="3291120" cy="455040"/>
           </a:xfrm>
           <a:prstGeom prst="rect">
             <a:avLst/>
@@ -2262,14 +2113,14 @@
       </p:pic>
       <p:sp>
         <p:nvSpPr>
-          <p:cNvPr id="45" name="CustomShape 4"/>
+          <p:cNvPr id="42" name="CustomShape 4"/>
           <p:cNvSpPr/>
           <p:nvPr/>
         </p:nvSpPr>
         <p:spPr>
           <a:xfrm>
             <a:off x="5914800" y="3266640"/>
-            <a:ext cx="1320120" cy="242640"/>
+            <a:ext cx="1319400" cy="241920"/>
           </a:xfrm>
           <a:prstGeom prst="rect">
             <a:avLst/>
@@ -2294,7 +2145,7 @@
               </a:lnSpc>
             </a:pPr>
             <a:r>
-              <a:rPr b="0" lang="en-US" sz="1000" spc="250" strike="noStrike">
+              <a:rPr b="0" lang="en-US" sz="1000" spc="245" strike="noStrike">
                 <a:solidFill>
                   <a:srgbClr val="b22600"/>
                 </a:solidFill>
@@ -2307,6 +2158,57 @@
                 <a:ea typeface="Times New Roman"/>
               </a:rPr>
               <a:t>LIBRARY</a:t>
+            </a:r>
+            <a:endParaRPr b="0" lang="en-US" sz="1800" spc="-1" strike="noStrike">
+              <a:solidFill>
+                <a:srgbClr val="000000"/>
+              </a:solidFill>
+              <a:uFill>
+                <a:solidFill>
+                  <a:srgbClr val="ffffff"/>
+                </a:solidFill>
+              </a:uFill>
+              <a:latin typeface="Arial"/>
+            </a:endParaRPr>
+          </a:p>
+        </p:txBody>
+      </p:sp>
+      <p:sp>
+        <p:nvSpPr>
+          <p:cNvPr id="43" name="TextShape 5"/>
+          <p:cNvSpPr txBox="1"/>
+          <p:nvPr/>
+        </p:nvSpPr>
+        <p:spPr>
+          <a:xfrm>
+            <a:off x="274320" y="2125080"/>
+            <a:ext cx="3749040" cy="801000"/>
+          </a:xfrm>
+          <a:prstGeom prst="rect">
+            <a:avLst/>
+          </a:prstGeom>
+          <a:noFill/>
+          <a:ln>
+            <a:noFill/>
+          </a:ln>
+        </p:spPr>
+        <p:txBody>
+          <a:bodyPr lIns="90000" rIns="90000" tIns="45000" bIns="45000"/>
+          <a:p>
+            <a:r>
+              <a:rPr b="0" lang="en-US" sz="1600" spc="-1" strike="noStrike">
+                <a:solidFill>
+                  <a:srgbClr val="505046"/>
+                </a:solidFill>
+                <a:uFill>
+                  <a:solidFill>
+                    <a:srgbClr val="ffffff"/>
+                  </a:solidFill>
+                </a:uFill>
+                <a:latin typeface="Calibri"/>
+                <a:ea typeface="DejaVu Sans"/>
+              </a:rPr>
+              <a:t>More information: http://bit.ly/oaa_2018</a:t>
             </a:r>
             <a:endParaRPr b="0" lang="en-US" sz="1800" spc="-1" strike="noStrike">
               <a:solidFill>
